--- a/map/parking.pptx
+++ b/map/parking.pptx
@@ -104,6 +104,11 @@
       </a:defRPr>
     </a:lvl9pPr>
   </p:defaultTextStyle>
+  <p:extLst>
+    <p:ext uri="{EFAFB233-063F-42B5-8137-9DF3F51BA10A}">
+      <p15:sldGuideLst xmlns:p15="http://schemas.microsoft.com/office/powerpoint/2012/main"/>
+    </p:ext>
+  </p:extLst>
 </p:presentation>
 </file>
 
@@ -149,7 +154,7 @@
           </a:lstStyle>
           <a:p>
             <a:r>
-              <a:rPr lang="en-US" smtClean="0"/>
+              <a:rPr lang="en-US"/>
               <a:t>Click to edit Master title style</a:t>
             </a:r>
             <a:endParaRPr lang="en-US" dirty="0"/>
@@ -214,7 +219,7 @@
           </a:lstStyle>
           <a:p>
             <a:r>
-              <a:rPr lang="en-US" smtClean="0"/>
+              <a:rPr lang="en-US"/>
               <a:t>Click to edit Master subtitle style</a:t>
             </a:r>
             <a:endParaRPr lang="en-US" dirty="0"/>
@@ -238,7 +243,7 @@
           <a:p>
             <a:fld id="{410559CC-4570-A34F-865A-F748316CC1A4}" type="datetimeFigureOut">
               <a:rPr lang="en-US" smtClean="0"/>
-              <a:t>1/27/18</a:t>
+              <a:t>2/19/18</a:t>
             </a:fld>
             <a:endParaRPr lang="en-US"/>
           </a:p>
@@ -327,7 +332,7 @@
           <a:lstStyle/>
           <a:p>
             <a:r>
-              <a:rPr lang="en-US" smtClean="0"/>
+              <a:rPr lang="en-US"/>
               <a:t>Click to edit Master title style</a:t>
             </a:r>
             <a:endParaRPr lang="en-US" dirty="0"/>
@@ -351,35 +356,35 @@
           <a:p>
             <a:pPr lvl="0"/>
             <a:r>
-              <a:rPr lang="en-US" smtClean="0"/>
+              <a:rPr lang="en-US"/>
               <a:t>Click to edit Master text styles</a:t>
             </a:r>
           </a:p>
           <a:p>
             <a:pPr lvl="1"/>
             <a:r>
-              <a:rPr lang="en-US" smtClean="0"/>
+              <a:rPr lang="en-US"/>
               <a:t>Second level</a:t>
             </a:r>
           </a:p>
           <a:p>
             <a:pPr lvl="2"/>
             <a:r>
-              <a:rPr lang="en-US" smtClean="0"/>
+              <a:rPr lang="en-US"/>
               <a:t>Third level</a:t>
             </a:r>
           </a:p>
           <a:p>
             <a:pPr lvl="3"/>
             <a:r>
-              <a:rPr lang="en-US" smtClean="0"/>
+              <a:rPr lang="en-US"/>
               <a:t>Fourth level</a:t>
             </a:r>
           </a:p>
           <a:p>
             <a:pPr lvl="4"/>
             <a:r>
-              <a:rPr lang="en-US" smtClean="0"/>
+              <a:rPr lang="en-US"/>
               <a:t>Fifth level</a:t>
             </a:r>
             <a:endParaRPr lang="en-US" dirty="0"/>
@@ -403,7 +408,7 @@
           <a:p>
             <a:fld id="{410559CC-4570-A34F-865A-F748316CC1A4}" type="datetimeFigureOut">
               <a:rPr lang="en-US" smtClean="0"/>
-              <a:t>1/27/18</a:t>
+              <a:t>2/19/18</a:t>
             </a:fld>
             <a:endParaRPr lang="en-US"/>
           </a:p>
@@ -497,7 +502,7 @@
           <a:lstStyle/>
           <a:p>
             <a:r>
-              <a:rPr lang="en-US" smtClean="0"/>
+              <a:rPr lang="en-US"/>
               <a:t>Click to edit Master title style</a:t>
             </a:r>
             <a:endParaRPr lang="en-US" dirty="0"/>
@@ -526,35 +531,35 @@
           <a:p>
             <a:pPr lvl="0"/>
             <a:r>
-              <a:rPr lang="en-US" smtClean="0"/>
+              <a:rPr lang="en-US"/>
               <a:t>Click to edit Master text styles</a:t>
             </a:r>
           </a:p>
           <a:p>
             <a:pPr lvl="1"/>
             <a:r>
-              <a:rPr lang="en-US" smtClean="0"/>
+              <a:rPr lang="en-US"/>
               <a:t>Second level</a:t>
             </a:r>
           </a:p>
           <a:p>
             <a:pPr lvl="2"/>
             <a:r>
-              <a:rPr lang="en-US" smtClean="0"/>
+              <a:rPr lang="en-US"/>
               <a:t>Third level</a:t>
             </a:r>
           </a:p>
           <a:p>
             <a:pPr lvl="3"/>
             <a:r>
-              <a:rPr lang="en-US" smtClean="0"/>
+              <a:rPr lang="en-US"/>
               <a:t>Fourth level</a:t>
             </a:r>
           </a:p>
           <a:p>
             <a:pPr lvl="4"/>
             <a:r>
-              <a:rPr lang="en-US" smtClean="0"/>
+              <a:rPr lang="en-US"/>
               <a:t>Fifth level</a:t>
             </a:r>
             <a:endParaRPr lang="en-US" dirty="0"/>
@@ -578,7 +583,7 @@
           <a:p>
             <a:fld id="{410559CC-4570-A34F-865A-F748316CC1A4}" type="datetimeFigureOut">
               <a:rPr lang="en-US" smtClean="0"/>
-              <a:t>1/27/18</a:t>
+              <a:t>2/19/18</a:t>
             </a:fld>
             <a:endParaRPr lang="en-US"/>
           </a:p>
@@ -667,7 +672,7 @@
           <a:lstStyle/>
           <a:p>
             <a:r>
-              <a:rPr lang="en-US" smtClean="0"/>
+              <a:rPr lang="en-US"/>
               <a:t>Click to edit Master title style</a:t>
             </a:r>
             <a:endParaRPr lang="en-US" dirty="0"/>
@@ -691,35 +696,35 @@
           <a:p>
             <a:pPr lvl="0"/>
             <a:r>
-              <a:rPr lang="en-US" smtClean="0"/>
+              <a:rPr lang="en-US"/>
               <a:t>Click to edit Master text styles</a:t>
             </a:r>
           </a:p>
           <a:p>
             <a:pPr lvl="1"/>
             <a:r>
-              <a:rPr lang="en-US" smtClean="0"/>
+              <a:rPr lang="en-US"/>
               <a:t>Second level</a:t>
             </a:r>
           </a:p>
           <a:p>
             <a:pPr lvl="2"/>
             <a:r>
-              <a:rPr lang="en-US" smtClean="0"/>
+              <a:rPr lang="en-US"/>
               <a:t>Third level</a:t>
             </a:r>
           </a:p>
           <a:p>
             <a:pPr lvl="3"/>
             <a:r>
-              <a:rPr lang="en-US" smtClean="0"/>
+              <a:rPr lang="en-US"/>
               <a:t>Fourth level</a:t>
             </a:r>
           </a:p>
           <a:p>
             <a:pPr lvl="4"/>
             <a:r>
-              <a:rPr lang="en-US" smtClean="0"/>
+              <a:rPr lang="en-US"/>
               <a:t>Fifth level</a:t>
             </a:r>
             <a:endParaRPr lang="en-US" dirty="0"/>
@@ -743,7 +748,7 @@
           <a:p>
             <a:fld id="{410559CC-4570-A34F-865A-F748316CC1A4}" type="datetimeFigureOut">
               <a:rPr lang="en-US" smtClean="0"/>
-              <a:t>1/27/18</a:t>
+              <a:t>2/19/18</a:t>
             </a:fld>
             <a:endParaRPr lang="en-US"/>
           </a:p>
@@ -841,7 +846,7 @@
           </a:lstStyle>
           <a:p>
             <a:r>
-              <a:rPr lang="en-US" smtClean="0"/>
+              <a:rPr lang="en-US"/>
               <a:t>Click to edit Master title style</a:t>
             </a:r>
             <a:endParaRPr lang="en-US" dirty="0"/>
@@ -959,7 +964,7 @@
           <a:p>
             <a:pPr lvl="0"/>
             <a:r>
-              <a:rPr lang="en-US" smtClean="0"/>
+              <a:rPr lang="en-US"/>
               <a:t>Click to edit Master text styles</a:t>
             </a:r>
           </a:p>
@@ -982,7 +987,7 @@
           <a:p>
             <a:fld id="{410559CC-4570-A34F-865A-F748316CC1A4}" type="datetimeFigureOut">
               <a:rPr lang="en-US" smtClean="0"/>
-              <a:t>1/27/18</a:t>
+              <a:t>2/19/18</a:t>
             </a:fld>
             <a:endParaRPr lang="en-US"/>
           </a:p>
@@ -1071,7 +1076,7 @@
           <a:lstStyle/>
           <a:p>
             <a:r>
-              <a:rPr lang="en-US" smtClean="0"/>
+              <a:rPr lang="en-US"/>
               <a:t>Click to edit Master title style</a:t>
             </a:r>
             <a:endParaRPr lang="en-US" dirty="0"/>
@@ -1100,35 +1105,35 @@
           <a:p>
             <a:pPr lvl="0"/>
             <a:r>
-              <a:rPr lang="en-US" smtClean="0"/>
+              <a:rPr lang="en-US"/>
               <a:t>Click to edit Master text styles</a:t>
             </a:r>
           </a:p>
           <a:p>
             <a:pPr lvl="1"/>
             <a:r>
-              <a:rPr lang="en-US" smtClean="0"/>
+              <a:rPr lang="en-US"/>
               <a:t>Second level</a:t>
             </a:r>
           </a:p>
           <a:p>
             <a:pPr lvl="2"/>
             <a:r>
-              <a:rPr lang="en-US" smtClean="0"/>
+              <a:rPr lang="en-US"/>
               <a:t>Third level</a:t>
             </a:r>
           </a:p>
           <a:p>
             <a:pPr lvl="3"/>
             <a:r>
-              <a:rPr lang="en-US" smtClean="0"/>
+              <a:rPr lang="en-US"/>
               <a:t>Fourth level</a:t>
             </a:r>
           </a:p>
           <a:p>
             <a:pPr lvl="4"/>
             <a:r>
-              <a:rPr lang="en-US" smtClean="0"/>
+              <a:rPr lang="en-US"/>
               <a:t>Fifth level</a:t>
             </a:r>
             <a:endParaRPr lang="en-US" dirty="0"/>
@@ -1157,35 +1162,35 @@
           <a:p>
             <a:pPr lvl="0"/>
             <a:r>
-              <a:rPr lang="en-US" smtClean="0"/>
+              <a:rPr lang="en-US"/>
               <a:t>Click to edit Master text styles</a:t>
             </a:r>
           </a:p>
           <a:p>
             <a:pPr lvl="1"/>
             <a:r>
-              <a:rPr lang="en-US" smtClean="0"/>
+              <a:rPr lang="en-US"/>
               <a:t>Second level</a:t>
             </a:r>
           </a:p>
           <a:p>
             <a:pPr lvl="2"/>
             <a:r>
-              <a:rPr lang="en-US" smtClean="0"/>
+              <a:rPr lang="en-US"/>
               <a:t>Third level</a:t>
             </a:r>
           </a:p>
           <a:p>
             <a:pPr lvl="3"/>
             <a:r>
-              <a:rPr lang="en-US" smtClean="0"/>
+              <a:rPr lang="en-US"/>
               <a:t>Fourth level</a:t>
             </a:r>
           </a:p>
           <a:p>
             <a:pPr lvl="4"/>
             <a:r>
-              <a:rPr lang="en-US" smtClean="0"/>
+              <a:rPr lang="en-US"/>
               <a:t>Fifth level</a:t>
             </a:r>
             <a:endParaRPr lang="en-US" dirty="0"/>
@@ -1209,7 +1214,7 @@
           <a:p>
             <a:fld id="{410559CC-4570-A34F-865A-F748316CC1A4}" type="datetimeFigureOut">
               <a:rPr lang="en-US" smtClean="0"/>
-              <a:t>1/27/18</a:t>
+              <a:t>2/19/18</a:t>
             </a:fld>
             <a:endParaRPr lang="en-US"/>
           </a:p>
@@ -1303,7 +1308,7 @@
           <a:lstStyle/>
           <a:p>
             <a:r>
-              <a:rPr lang="en-US" smtClean="0"/>
+              <a:rPr lang="en-US"/>
               <a:t>Click to edit Master title style</a:t>
             </a:r>
             <a:endParaRPr lang="en-US" dirty="0"/>
@@ -1369,7 +1374,7 @@
           <a:p>
             <a:pPr lvl="0"/>
             <a:r>
-              <a:rPr lang="en-US" smtClean="0"/>
+              <a:rPr lang="en-US"/>
               <a:t>Click to edit Master text styles</a:t>
             </a:r>
           </a:p>
@@ -1397,35 +1402,35 @@
           <a:p>
             <a:pPr lvl="0"/>
             <a:r>
-              <a:rPr lang="en-US" smtClean="0"/>
+              <a:rPr lang="en-US"/>
               <a:t>Click to edit Master text styles</a:t>
             </a:r>
           </a:p>
           <a:p>
             <a:pPr lvl="1"/>
             <a:r>
-              <a:rPr lang="en-US" smtClean="0"/>
+              <a:rPr lang="en-US"/>
               <a:t>Second level</a:t>
             </a:r>
           </a:p>
           <a:p>
             <a:pPr lvl="2"/>
             <a:r>
-              <a:rPr lang="en-US" smtClean="0"/>
+              <a:rPr lang="en-US"/>
               <a:t>Third level</a:t>
             </a:r>
           </a:p>
           <a:p>
             <a:pPr lvl="3"/>
             <a:r>
-              <a:rPr lang="en-US" smtClean="0"/>
+              <a:rPr lang="en-US"/>
               <a:t>Fourth level</a:t>
             </a:r>
           </a:p>
           <a:p>
             <a:pPr lvl="4"/>
             <a:r>
-              <a:rPr lang="en-US" smtClean="0"/>
+              <a:rPr lang="en-US"/>
               <a:t>Fifth level</a:t>
             </a:r>
             <a:endParaRPr lang="en-US" dirty="0"/>
@@ -1491,7 +1496,7 @@
           <a:p>
             <a:pPr lvl="0"/>
             <a:r>
-              <a:rPr lang="en-US" smtClean="0"/>
+              <a:rPr lang="en-US"/>
               <a:t>Click to edit Master text styles</a:t>
             </a:r>
           </a:p>
@@ -1519,35 +1524,35 @@
           <a:p>
             <a:pPr lvl="0"/>
             <a:r>
-              <a:rPr lang="en-US" smtClean="0"/>
+              <a:rPr lang="en-US"/>
               <a:t>Click to edit Master text styles</a:t>
             </a:r>
           </a:p>
           <a:p>
             <a:pPr lvl="1"/>
             <a:r>
-              <a:rPr lang="en-US" smtClean="0"/>
+              <a:rPr lang="en-US"/>
               <a:t>Second level</a:t>
             </a:r>
           </a:p>
           <a:p>
             <a:pPr lvl="2"/>
             <a:r>
-              <a:rPr lang="en-US" smtClean="0"/>
+              <a:rPr lang="en-US"/>
               <a:t>Third level</a:t>
             </a:r>
           </a:p>
           <a:p>
             <a:pPr lvl="3"/>
             <a:r>
-              <a:rPr lang="en-US" smtClean="0"/>
+              <a:rPr lang="en-US"/>
               <a:t>Fourth level</a:t>
             </a:r>
           </a:p>
           <a:p>
             <a:pPr lvl="4"/>
             <a:r>
-              <a:rPr lang="en-US" smtClean="0"/>
+              <a:rPr lang="en-US"/>
               <a:t>Fifth level</a:t>
             </a:r>
             <a:endParaRPr lang="en-US" dirty="0"/>
@@ -1571,7 +1576,7 @@
           <a:p>
             <a:fld id="{410559CC-4570-A34F-865A-F748316CC1A4}" type="datetimeFigureOut">
               <a:rPr lang="en-US" smtClean="0"/>
-              <a:t>1/27/18</a:t>
+              <a:t>2/19/18</a:t>
             </a:fld>
             <a:endParaRPr lang="en-US"/>
           </a:p>
@@ -1660,7 +1665,7 @@
           <a:lstStyle/>
           <a:p>
             <a:r>
-              <a:rPr lang="en-US" smtClean="0"/>
+              <a:rPr lang="en-US"/>
               <a:t>Click to edit Master title style</a:t>
             </a:r>
             <a:endParaRPr lang="en-US" dirty="0"/>
@@ -1684,7 +1689,7 @@
           <a:p>
             <a:fld id="{410559CC-4570-A34F-865A-F748316CC1A4}" type="datetimeFigureOut">
               <a:rPr lang="en-US" smtClean="0"/>
-              <a:t>1/27/18</a:t>
+              <a:t>2/19/18</a:t>
             </a:fld>
             <a:endParaRPr lang="en-US"/>
           </a:p>
@@ -1774,7 +1779,7 @@
           <a:p>
             <a:fld id="{410559CC-4570-A34F-865A-F748316CC1A4}" type="datetimeFigureOut">
               <a:rPr lang="en-US" smtClean="0"/>
-              <a:t>1/27/18</a:t>
+              <a:t>2/19/18</a:t>
             </a:fld>
             <a:endParaRPr lang="en-US"/>
           </a:p>
@@ -1872,7 +1877,7 @@
           </a:lstStyle>
           <a:p>
             <a:r>
-              <a:rPr lang="en-US" smtClean="0"/>
+              <a:rPr lang="en-US"/>
               <a:t>Click to edit Master title style</a:t>
             </a:r>
             <a:endParaRPr lang="en-US" dirty="0"/>
@@ -1929,35 +1934,35 @@
           <a:p>
             <a:pPr lvl="0"/>
             <a:r>
-              <a:rPr lang="en-US" smtClean="0"/>
+              <a:rPr lang="en-US"/>
               <a:t>Click to edit Master text styles</a:t>
             </a:r>
           </a:p>
           <a:p>
             <a:pPr lvl="1"/>
             <a:r>
-              <a:rPr lang="en-US" smtClean="0"/>
+              <a:rPr lang="en-US"/>
               <a:t>Second level</a:t>
             </a:r>
           </a:p>
           <a:p>
             <a:pPr lvl="2"/>
             <a:r>
-              <a:rPr lang="en-US" smtClean="0"/>
+              <a:rPr lang="en-US"/>
               <a:t>Third level</a:t>
             </a:r>
           </a:p>
           <a:p>
             <a:pPr lvl="3"/>
             <a:r>
-              <a:rPr lang="en-US" smtClean="0"/>
+              <a:rPr lang="en-US"/>
               <a:t>Fourth level</a:t>
             </a:r>
           </a:p>
           <a:p>
             <a:pPr lvl="4"/>
             <a:r>
-              <a:rPr lang="en-US" smtClean="0"/>
+              <a:rPr lang="en-US"/>
               <a:t>Fifth level</a:t>
             </a:r>
             <a:endParaRPr lang="en-US" dirty="0"/>
@@ -2023,7 +2028,7 @@
           <a:p>
             <a:pPr lvl="0"/>
             <a:r>
-              <a:rPr lang="en-US" smtClean="0"/>
+              <a:rPr lang="en-US"/>
               <a:t>Click to edit Master text styles</a:t>
             </a:r>
           </a:p>
@@ -2046,7 +2051,7 @@
           <a:p>
             <a:fld id="{410559CC-4570-A34F-865A-F748316CC1A4}" type="datetimeFigureOut">
               <a:rPr lang="en-US" smtClean="0"/>
-              <a:t>1/27/18</a:t>
+              <a:t>2/19/18</a:t>
             </a:fld>
             <a:endParaRPr lang="en-US"/>
           </a:p>
@@ -2144,7 +2149,7 @@
           </a:lstStyle>
           <a:p>
             <a:r>
-              <a:rPr lang="en-US" smtClean="0"/>
+              <a:rPr lang="en-US"/>
               <a:t>Click to edit Master title style</a:t>
             </a:r>
             <a:endParaRPr lang="en-US" dirty="0"/>
@@ -2209,7 +2214,7 @@
           </a:lstStyle>
           <a:p>
             <a:r>
-              <a:rPr lang="en-US" smtClean="0"/>
+              <a:rPr lang="en-US"/>
               <a:t>Drag picture to placeholder or click icon to add</a:t>
             </a:r>
             <a:endParaRPr lang="en-US" dirty="0"/>
@@ -2275,7 +2280,7 @@
           <a:p>
             <a:pPr lvl="0"/>
             <a:r>
-              <a:rPr lang="en-US" smtClean="0"/>
+              <a:rPr lang="en-US"/>
               <a:t>Click to edit Master text styles</a:t>
             </a:r>
           </a:p>
@@ -2298,7 +2303,7 @@
           <a:p>
             <a:fld id="{410559CC-4570-A34F-865A-F748316CC1A4}" type="datetimeFigureOut">
               <a:rPr lang="en-US" smtClean="0"/>
-              <a:t>1/27/18</a:t>
+              <a:t>2/19/18</a:t>
             </a:fld>
             <a:endParaRPr lang="en-US"/>
           </a:p>
@@ -2402,7 +2407,7 @@
           <a:lstStyle/>
           <a:p>
             <a:r>
-              <a:rPr lang="en-US" smtClean="0"/>
+              <a:rPr lang="en-US"/>
               <a:t>Click to edit Master title style</a:t>
             </a:r>
             <a:endParaRPr lang="en-US" dirty="0"/>
@@ -2436,35 +2441,35 @@
           <a:p>
             <a:pPr lvl="0"/>
             <a:r>
-              <a:rPr lang="en-US" smtClean="0"/>
+              <a:rPr lang="en-US"/>
               <a:t>Click to edit Master text styles</a:t>
             </a:r>
           </a:p>
           <a:p>
             <a:pPr lvl="1"/>
             <a:r>
-              <a:rPr lang="en-US" smtClean="0"/>
+              <a:rPr lang="en-US"/>
               <a:t>Second level</a:t>
             </a:r>
           </a:p>
           <a:p>
             <a:pPr lvl="2"/>
             <a:r>
-              <a:rPr lang="en-US" smtClean="0"/>
+              <a:rPr lang="en-US"/>
               <a:t>Third level</a:t>
             </a:r>
           </a:p>
           <a:p>
             <a:pPr lvl="3"/>
             <a:r>
-              <a:rPr lang="en-US" smtClean="0"/>
+              <a:rPr lang="en-US"/>
               <a:t>Fourth level</a:t>
             </a:r>
           </a:p>
           <a:p>
             <a:pPr lvl="4"/>
             <a:r>
-              <a:rPr lang="en-US" smtClean="0"/>
+              <a:rPr lang="en-US"/>
               <a:t>Fifth level</a:t>
             </a:r>
             <a:endParaRPr lang="en-US" dirty="0"/>
@@ -2506,7 +2511,7 @@
           <a:p>
             <a:fld id="{410559CC-4570-A34F-865A-F748316CC1A4}" type="datetimeFigureOut">
               <a:rPr lang="en-US" smtClean="0"/>
-              <a:t>1/27/18</a:t>
+              <a:t>2/19/18</a:t>
             </a:fld>
             <a:endParaRPr lang="en-US"/>
           </a:p>
@@ -2943,13 +2948,15 @@
       <p:cxnSp>
         <p:nvCxnSpPr>
           <p:cNvPr id="6" name="Straight Connector 5"/>
-          <p:cNvCxnSpPr/>
+          <p:cNvCxnSpPr>
+            <a:cxnSpLocks/>
+          </p:cNvCxnSpPr>
           <p:nvPr/>
         </p:nvCxnSpPr>
         <p:spPr>
-          <a:xfrm>
-            <a:off x="3122342" y="943084"/>
-            <a:ext cx="1460809" cy="947854"/>
+          <a:xfrm flipH="1">
+            <a:off x="5735782" y="2258292"/>
+            <a:ext cx="258621" cy="1184004"/>
           </a:xfrm>
           <a:prstGeom prst="line">
             <a:avLst/>
@@ -2985,7 +2992,7 @@
         </p:nvCxnSpPr>
         <p:spPr>
           <a:xfrm>
-            <a:off x="4845599" y="2055541"/>
+            <a:off x="4845599" y="2046305"/>
             <a:ext cx="1040780" cy="117088"/>
           </a:xfrm>
           <a:prstGeom prst="line">
@@ -3059,7 +3066,7 @@
         </p:nvCxnSpPr>
         <p:spPr>
           <a:xfrm>
-            <a:off x="2271582" y="2975634"/>
+            <a:off x="2345473" y="2928781"/>
             <a:ext cx="416312" cy="494370"/>
           </a:xfrm>
           <a:prstGeom prst="line">
@@ -3091,13 +3098,15 @@
       <p:cxnSp>
         <p:nvCxnSpPr>
           <p:cNvPr id="17" name="Straight Connector 16"/>
-          <p:cNvCxnSpPr/>
+          <p:cNvCxnSpPr>
+            <a:cxnSpLocks/>
+          </p:cNvCxnSpPr>
           <p:nvPr/>
         </p:nvCxnSpPr>
         <p:spPr>
           <a:xfrm flipH="1">
-            <a:off x="3205980" y="3542294"/>
-            <a:ext cx="278778" cy="261820"/>
+            <a:off x="3205980" y="3602182"/>
+            <a:ext cx="174529" cy="201932"/>
           </a:xfrm>
           <a:prstGeom prst="line">
             <a:avLst/>
